--- a/RealData.pptx
+++ b/RealData.pptx
@@ -18,6 +18,7 @@
     <p:sldId id="268" r:id="rId12"/>
     <p:sldId id="267" r:id="rId13"/>
     <p:sldId id="265" r:id="rId14"/>
+    <p:sldId id="269" r:id="rId15"/>
   </p:sldIdLst>
   <p:sldSz cx="12192000" cy="6858000"/>
   <p:notesSz cx="6858000" cy="9144000"/>
@@ -284,7 +285,7 @@
           <a:p>
             <a:fld id="{95B69BFD-DF4C-4246-8AAD-2BC18AECBBC6}" type="datetimeFigureOut">
               <a:rPr lang="en-IN" smtClean="0"/>
-              <a:t>29-09-2023</a:t>
+              <a:t>04-10-2023</a:t>
             </a:fld>
             <a:endParaRPr lang="en-IN"/>
           </a:p>
@@ -484,7 +485,7 @@
           <a:p>
             <a:fld id="{95B69BFD-DF4C-4246-8AAD-2BC18AECBBC6}" type="datetimeFigureOut">
               <a:rPr lang="en-IN" smtClean="0"/>
-              <a:t>29-09-2023</a:t>
+              <a:t>04-10-2023</a:t>
             </a:fld>
             <a:endParaRPr lang="en-IN"/>
           </a:p>
@@ -694,7 +695,7 @@
           <a:p>
             <a:fld id="{95B69BFD-DF4C-4246-8AAD-2BC18AECBBC6}" type="datetimeFigureOut">
               <a:rPr lang="en-IN" smtClean="0"/>
-              <a:t>29-09-2023</a:t>
+              <a:t>04-10-2023</a:t>
             </a:fld>
             <a:endParaRPr lang="en-IN"/>
           </a:p>
@@ -894,7 +895,7 @@
           <a:p>
             <a:fld id="{95B69BFD-DF4C-4246-8AAD-2BC18AECBBC6}" type="datetimeFigureOut">
               <a:rPr lang="en-IN" smtClean="0"/>
-              <a:t>29-09-2023</a:t>
+              <a:t>04-10-2023</a:t>
             </a:fld>
             <a:endParaRPr lang="en-IN"/>
           </a:p>
@@ -1170,7 +1171,7 @@
           <a:p>
             <a:fld id="{95B69BFD-DF4C-4246-8AAD-2BC18AECBBC6}" type="datetimeFigureOut">
               <a:rPr lang="en-IN" smtClean="0"/>
-              <a:t>29-09-2023</a:t>
+              <a:t>04-10-2023</a:t>
             </a:fld>
             <a:endParaRPr lang="en-IN"/>
           </a:p>
@@ -1438,7 +1439,7 @@
           <a:p>
             <a:fld id="{95B69BFD-DF4C-4246-8AAD-2BC18AECBBC6}" type="datetimeFigureOut">
               <a:rPr lang="en-IN" smtClean="0"/>
-              <a:t>29-09-2023</a:t>
+              <a:t>04-10-2023</a:t>
             </a:fld>
             <a:endParaRPr lang="en-IN"/>
           </a:p>
@@ -1853,7 +1854,7 @@
           <a:p>
             <a:fld id="{95B69BFD-DF4C-4246-8AAD-2BC18AECBBC6}" type="datetimeFigureOut">
               <a:rPr lang="en-IN" smtClean="0"/>
-              <a:t>29-09-2023</a:t>
+              <a:t>04-10-2023</a:t>
             </a:fld>
             <a:endParaRPr lang="en-IN"/>
           </a:p>
@@ -1995,7 +1996,7 @@
           <a:p>
             <a:fld id="{95B69BFD-DF4C-4246-8AAD-2BC18AECBBC6}" type="datetimeFigureOut">
               <a:rPr lang="en-IN" smtClean="0"/>
-              <a:t>29-09-2023</a:t>
+              <a:t>04-10-2023</a:t>
             </a:fld>
             <a:endParaRPr lang="en-IN"/>
           </a:p>
@@ -2108,7 +2109,7 @@
           <a:p>
             <a:fld id="{95B69BFD-DF4C-4246-8AAD-2BC18AECBBC6}" type="datetimeFigureOut">
               <a:rPr lang="en-IN" smtClean="0"/>
-              <a:t>29-09-2023</a:t>
+              <a:t>04-10-2023</a:t>
             </a:fld>
             <a:endParaRPr lang="en-IN"/>
           </a:p>
@@ -2421,7 +2422,7 @@
           <a:p>
             <a:fld id="{95B69BFD-DF4C-4246-8AAD-2BC18AECBBC6}" type="datetimeFigureOut">
               <a:rPr lang="en-IN" smtClean="0"/>
-              <a:t>29-09-2023</a:t>
+              <a:t>04-10-2023</a:t>
             </a:fld>
             <a:endParaRPr lang="en-IN"/>
           </a:p>
@@ -2710,7 +2711,7 @@
           <a:p>
             <a:fld id="{95B69BFD-DF4C-4246-8AAD-2BC18AECBBC6}" type="datetimeFigureOut">
               <a:rPr lang="en-IN" smtClean="0"/>
-              <a:t>29-09-2023</a:t>
+              <a:t>04-10-2023</a:t>
             </a:fld>
             <a:endParaRPr lang="en-IN"/>
           </a:p>
@@ -2953,7 +2954,7 @@
           <a:p>
             <a:fld id="{95B69BFD-DF4C-4246-8AAD-2BC18AECBBC6}" type="datetimeFigureOut">
               <a:rPr lang="en-IN" smtClean="0"/>
-              <a:t>29-09-2023</a:t>
+              <a:t>04-10-2023</a:t>
             </a:fld>
             <a:endParaRPr lang="en-IN"/>
           </a:p>
@@ -3779,6 +3780,117 @@
     <p:extLst>
       <p:ext uri="{BB962C8B-B14F-4D97-AF65-F5344CB8AC3E}">
         <p14:creationId xmlns:p14="http://schemas.microsoft.com/office/powerpoint/2010/main" val="2460252173"/>
+      </p:ext>
+    </p:extLst>
+  </p:cSld>
+  <p:clrMapOvr>
+    <a:masterClrMapping/>
+  </p:clrMapOvr>
+</p:sld>
+</file>
+
+<file path=ppt/slides/slide14.xml><?xml version="1.0" encoding="utf-8"?>
+<p:sld xmlns:a="http://schemas.openxmlformats.org/drawingml/2006/main" xmlns:r="http://schemas.openxmlformats.org/officeDocument/2006/relationships" xmlns:p="http://schemas.openxmlformats.org/presentationml/2006/main">
+  <p:cSld>
+    <p:spTree>
+      <p:nvGrpSpPr>
+        <p:cNvPr id="1" name=""/>
+        <p:cNvGrpSpPr/>
+        <p:nvPr/>
+      </p:nvGrpSpPr>
+      <p:grpSpPr>
+        <a:xfrm>
+          <a:off x="0" y="0"/>
+          <a:ext cx="0" cy="0"/>
+          <a:chOff x="0" y="0"/>
+          <a:chExt cx="0" cy="0"/>
+        </a:xfrm>
+      </p:grpSpPr>
+      <p:pic>
+        <p:nvPicPr>
+          <p:cNvPr id="3" name="Picture 2">
+            <a:extLst>
+              <a:ext uri="{FF2B5EF4-FFF2-40B4-BE49-F238E27FC236}">
+                <a16:creationId xmlns:a16="http://schemas.microsoft.com/office/drawing/2014/main" id="{7E726753-207F-F318-E6F3-B962A70E5D84}"/>
+              </a:ext>
+            </a:extLst>
+          </p:cNvPr>
+          <p:cNvPicPr>
+            <a:picLocks noChangeAspect="1"/>
+          </p:cNvPicPr>
+          <p:nvPr/>
+        </p:nvPicPr>
+        <p:blipFill>
+          <a:blip r:embed="rId2"/>
+          <a:stretch>
+            <a:fillRect/>
+          </a:stretch>
+        </p:blipFill>
+        <p:spPr>
+          <a:xfrm>
+            <a:off x="-115503" y="498608"/>
+            <a:ext cx="12192000" cy="2838450"/>
+          </a:xfrm>
+          <a:prstGeom prst="rect">
+            <a:avLst/>
+          </a:prstGeom>
+        </p:spPr>
+      </p:pic>
+      <p:sp>
+        <p:nvSpPr>
+          <p:cNvPr id="5" name="TextBox 4">
+            <a:extLst>
+              <a:ext uri="{FF2B5EF4-FFF2-40B4-BE49-F238E27FC236}">
+                <a16:creationId xmlns:a16="http://schemas.microsoft.com/office/drawing/2014/main" id="{770887CB-9CAA-9986-0FFF-2C48C3805587}"/>
+              </a:ext>
+            </a:extLst>
+          </p:cNvPr>
+          <p:cNvSpPr txBox="1"/>
+          <p:nvPr/>
+        </p:nvSpPr>
+        <p:spPr>
+          <a:xfrm>
+            <a:off x="2296524" y="4237027"/>
+            <a:ext cx="6208004" cy="923330"/>
+          </a:xfrm>
+          <a:prstGeom prst="rect">
+            <a:avLst/>
+          </a:prstGeom>
+          <a:noFill/>
+        </p:spPr>
+        <p:txBody>
+          <a:bodyPr wrap="square">
+            <a:spAutoFit/>
+          </a:bodyPr>
+          <a:lstStyle/>
+          <a:p>
+            <a:r>
+              <a:rPr lang="en-IN" dirty="0"/>
+              <a:t>TVD (35) :     5.0000    7.5</a:t>
+            </a:r>
+          </a:p>
+          <a:p>
+            <a:r>
+              <a:rPr lang="en-IN" dirty="0"/>
+              <a:t>KL (40)    :      5.0000    8.5000</a:t>
+            </a:r>
+          </a:p>
+          <a:p>
+            <a:r>
+              <a:rPr lang="en-IN" dirty="0" err="1"/>
+              <a:t>medIQR</a:t>
+            </a:r>
+            <a:r>
+              <a:rPr lang="en-IN" dirty="0"/>
+              <a:t>(10) : 5.0000    2.5000</a:t>
+            </a:r>
+          </a:p>
+        </p:txBody>
+      </p:sp>
+    </p:spTree>
+    <p:extLst>
+      <p:ext uri="{BB962C8B-B14F-4D97-AF65-F5344CB8AC3E}">
+        <p14:creationId xmlns:p14="http://schemas.microsoft.com/office/powerpoint/2010/main" val="1843697154"/>
       </p:ext>
     </p:extLst>
   </p:cSld>
